--- a/The power of SPA - ISCTE.pptx
+++ b/The power of SPA - ISCTE.pptx
@@ -214,7 +214,7 @@
           <a:p>
             <a:fld id="{B014ADF8-7371-423C-9FDB-C081830EA6AA}" type="datetimeFigureOut">
               <a:rPr lang="pt-PT" smtClean="0"/>
-              <a:t>01/05/2015</a:t>
+              <a:t>05/05/2015</a:t>
             </a:fld>
             <a:endParaRPr lang="pt-PT"/>
           </a:p>
@@ -2102,7 +2102,7 @@
           <a:p>
             <a:fld id="{408AB035-A402-43DC-AEEE-742885BD4112}" type="datetime1">
               <a:rPr lang="pt-PT" smtClean="0"/>
-              <a:t>01/05/2015</a:t>
+              <a:t>05/05/2015</a:t>
             </a:fld>
             <a:endParaRPr lang="pt-PT"/>
           </a:p>
@@ -2279,7 +2279,7 @@
           <a:p>
             <a:fld id="{C048B1F7-3208-4E5C-84A4-35266FA3692F}" type="datetime1">
               <a:rPr lang="pt-PT" smtClean="0"/>
-              <a:t>01/05/2015</a:t>
+              <a:t>05/05/2015</a:t>
             </a:fld>
             <a:endParaRPr lang="pt-PT"/>
           </a:p>
@@ -2466,7 +2466,7 @@
           <a:p>
             <a:fld id="{3B9ACBEB-6F27-432F-8808-DFB91069B26F}" type="datetime1">
               <a:rPr lang="pt-PT" smtClean="0"/>
-              <a:t>01/05/2015</a:t>
+              <a:t>05/05/2015</a:t>
             </a:fld>
             <a:endParaRPr lang="pt-PT"/>
           </a:p>
@@ -2661,7 +2661,7 @@
           <a:p>
             <a:fld id="{BD5A6FC7-D8D8-4329-ACD8-89F692019E5F}" type="datetime1">
               <a:rPr lang="pt-PT" smtClean="0"/>
-              <a:t>01/05/2015</a:t>
+              <a:t>05/05/2015</a:t>
             </a:fld>
             <a:endParaRPr lang="pt-PT"/>
           </a:p>
@@ -2935,7 +2935,7 @@
           <a:p>
             <a:fld id="{6B333A15-1F30-46D5-81BD-E068F35AF832}" type="datetime1">
               <a:rPr lang="pt-PT" smtClean="0"/>
-              <a:t>01/05/2015</a:t>
+              <a:t>05/05/2015</a:t>
             </a:fld>
             <a:endParaRPr lang="pt-PT"/>
           </a:p>
@@ -3295,7 +3295,7 @@
           <a:p>
             <a:fld id="{3E03E351-A478-4D88-BF1C-FB19B9B98EBF}" type="datetime1">
               <a:rPr lang="pt-PT" smtClean="0"/>
-              <a:t>01/05/2015</a:t>
+              <a:t>05/05/2015</a:t>
             </a:fld>
             <a:endParaRPr lang="pt-PT"/>
           </a:p>
@@ -3615,7 +3615,7 @@
           <a:p>
             <a:fld id="{C2D746D5-D1B0-4874-90D4-6505AE6E2D75}" type="datetime1">
               <a:rPr lang="pt-PT" smtClean="0"/>
-              <a:t>01/05/2015</a:t>
+              <a:t>05/05/2015</a:t>
             </a:fld>
             <a:endParaRPr lang="pt-PT"/>
           </a:p>
@@ -3854,7 +3854,7 @@
           <a:p>
             <a:fld id="{853EA6A0-481A-40FA-9E81-8D69D9EDBCD3}" type="datetime1">
               <a:rPr lang="pt-PT" smtClean="0"/>
-              <a:t>01/05/2015</a:t>
+              <a:t>05/05/2015</a:t>
             </a:fld>
             <a:endParaRPr lang="pt-PT"/>
           </a:p>
@@ -3956,7 +3956,7 @@
           <a:p>
             <a:fld id="{684B9C87-0596-40D7-A4F6-E69DC6B961CE}" type="datetime1">
               <a:rPr lang="pt-PT" smtClean="0"/>
-              <a:t>01/05/2015</a:t>
+              <a:t>05/05/2015</a:t>
             </a:fld>
             <a:endParaRPr lang="pt-PT"/>
           </a:p>
@@ -4256,7 +4256,7 @@
           <a:p>
             <a:fld id="{3109861F-5572-4F4B-83CA-C797BB6ED892}" type="datetime1">
               <a:rPr lang="pt-PT" smtClean="0"/>
-              <a:t>01/05/2015</a:t>
+              <a:t>05/05/2015</a:t>
             </a:fld>
             <a:endParaRPr lang="pt-PT"/>
           </a:p>
@@ -4537,7 +4537,7 @@
           <a:p>
             <a:fld id="{9A923148-4993-42F0-8463-7C0F4F8667A3}" type="datetime1">
               <a:rPr lang="pt-PT" smtClean="0"/>
-              <a:t>01/05/2015</a:t>
+              <a:t>05/05/2015</a:t>
             </a:fld>
             <a:endParaRPr lang="pt-PT"/>
           </a:p>
@@ -4759,7 +4759,7 @@
           <a:p>
             <a:fld id="{6ECE908B-9FD3-4FD6-A9AB-3FB3EABC170A}" type="datetime1">
               <a:rPr lang="pt-PT" smtClean="0"/>
-              <a:t>01/05/2015</a:t>
+              <a:t>05/05/2015</a:t>
             </a:fld>
             <a:endParaRPr lang="pt-PT"/>
           </a:p>
@@ -5342,8 +5342,8 @@
         </p:nvSpPr>
         <p:spPr>
           <a:xfrm>
-            <a:off x="3231715" y="5085567"/>
-            <a:ext cx="5513881" cy="795682"/>
+            <a:off x="2128206" y="5124639"/>
+            <a:ext cx="8051575" cy="795682"/>
           </a:xfrm>
         </p:spPr>
         <p:txBody>
@@ -5366,7 +5366,7 @@
           </a:p>
           <a:p>
             <a:r>
-              <a:rPr lang="pt-PT" dirty="0" smtClean="0">
+              <a:rPr lang="pt-PT" dirty="0">
                 <a:solidFill>
                   <a:schemeClr val="tx1">
                     <a:lumMod val="65000"/>
@@ -5374,7 +5374,7 @@
                   </a:schemeClr>
                 </a:solidFill>
               </a:rPr>
-              <a:t>https://github.com/monica85rodrigues/iscte-thepowerofspa-demo</a:t>
+              <a:t>https://github.com/monica85rodrigues/presentation-iscte-thepowerofspa</a:t>
             </a:r>
             <a:endParaRPr lang="pt-PT" dirty="0">
               <a:solidFill>
@@ -9219,7 +9219,7 @@
                   </a:schemeClr>
                 </a:solidFill>
               </a:rPr>
-              <a:t>Demo</a:t>
+              <a:t>Demos</a:t>
             </a:r>
             <a:endParaRPr lang="pt-PT" sz="11500" dirty="0">
               <a:solidFill>
@@ -9428,113 +9428,6 @@
                 </a:schemeClr>
               </a:solidFill>
             </a:endParaRPr>
-          </a:p>
-        </p:txBody>
-      </p:sp>
-      <p:sp>
-        <p:nvSpPr>
-          <p:cNvPr id="8" name="Título 1"/>
-          <p:cNvSpPr txBox="1">
-            <a:spLocks/>
-          </p:cNvSpPr>
-          <p:nvPr/>
-        </p:nvSpPr>
-        <p:spPr>
-          <a:xfrm>
-            <a:off x="1319002" y="917310"/>
-            <a:ext cx="8925515" cy="968134"/>
-          </a:xfrm>
-          <a:prstGeom prst="rect">
-            <a:avLst/>
-          </a:prstGeom>
-        </p:spPr>
-        <p:txBody>
-          <a:bodyPr vert="horz" lIns="91440" tIns="45720" rIns="91440" bIns="45720" rtlCol="0" anchor="b">
-            <a:noAutofit/>
-          </a:bodyPr>
-          <a:lstStyle>
-            <a:lvl1pPr algn="ctr" defTabSz="914400" rtl="0" eaLnBrk="1" latinLnBrk="0" hangingPunct="1">
-              <a:lnSpc>
-                <a:spcPts val="5800"/>
-              </a:lnSpc>
-              <a:spcBef>
-                <a:spcPct val="0"/>
-              </a:spcBef>
-              <a:buNone/>
-              <a:defRPr sz="5400" kern="1200">
-                <a:solidFill>
-                  <a:schemeClr val="tx2"/>
-                </a:solidFill>
-                <a:effectLst>
-                  <a:outerShdw blurRad="63500" dist="38100" dir="5400000" algn="t" rotWithShape="0">
-                    <a:prstClr val="black">
-                      <a:alpha val="25000"/>
-                    </a:prstClr>
-                  </a:outerShdw>
-                </a:effectLst>
-                <a:latin typeface="+mn-lt"/>
-                <a:ea typeface="+mj-ea"/>
-                <a:cs typeface="+mj-cs"/>
-              </a:defRPr>
-            </a:lvl1pPr>
-          </a:lstStyle>
-          <a:p>
-            <a:endParaRPr lang="pt-PT" sz="4400" dirty="0">
-              <a:solidFill>
-                <a:srgbClr val="006600"/>
-              </a:solidFill>
-            </a:endParaRPr>
-          </a:p>
-        </p:txBody>
-      </p:sp>
-      <p:sp>
-        <p:nvSpPr>
-          <p:cNvPr id="2" name="CaixaDeTexto 1"/>
-          <p:cNvSpPr txBox="1"/>
-          <p:nvPr/>
-        </p:nvSpPr>
-        <p:spPr>
-          <a:xfrm>
-            <a:off x="1034450" y="1232336"/>
-            <a:ext cx="10278215" cy="1200329"/>
-          </a:xfrm>
-          <a:prstGeom prst="rect">
-            <a:avLst/>
-          </a:prstGeom>
-          <a:noFill/>
-        </p:spPr>
-        <p:txBody>
-          <a:bodyPr wrap="square" rtlCol="0">
-            <a:spAutoFit/>
-          </a:bodyPr>
-          <a:lstStyle/>
-          <a:p>
-            <a:pPr marL="285750" indent="-285750">
-              <a:buFont typeface="Arial" panose="020B0604020202020204" pitchFamily="34" charset="0"/>
-              <a:buChar char="•"/>
-            </a:pPr>
-            <a:endParaRPr lang="pt-PT" dirty="0" smtClean="0"/>
-          </a:p>
-          <a:p>
-            <a:pPr marL="285750" indent="-285750">
-              <a:buFont typeface="Arial" panose="020B0604020202020204" pitchFamily="34" charset="0"/>
-              <a:buChar char="•"/>
-            </a:pPr>
-            <a:endParaRPr lang="pt-PT" dirty="0"/>
-          </a:p>
-          <a:p>
-            <a:pPr marL="285750" indent="-285750">
-              <a:buFont typeface="Arial" panose="020B0604020202020204" pitchFamily="34" charset="0"/>
-              <a:buChar char="•"/>
-            </a:pPr>
-            <a:endParaRPr lang="pt-PT" dirty="0" smtClean="0"/>
-          </a:p>
-          <a:p>
-            <a:pPr marL="285750" indent="-285750">
-              <a:buFont typeface="Arial" panose="020B0604020202020204" pitchFamily="34" charset="0"/>
-              <a:buChar char="•"/>
-            </a:pPr>
-            <a:endParaRPr lang="pt-PT" dirty="0"/>
           </a:p>
         </p:txBody>
       </p:sp>
@@ -9568,6 +9461,176 @@
           </a:prstGeom>
         </p:spPr>
       </p:pic>
+      <p:sp>
+        <p:nvSpPr>
+          <p:cNvPr id="9" name="CaixaDeTexto 8"/>
+          <p:cNvSpPr txBox="1"/>
+          <p:nvPr/>
+        </p:nvSpPr>
+        <p:spPr>
+          <a:xfrm>
+            <a:off x="2395242" y="1033773"/>
+            <a:ext cx="2217218" cy="523220"/>
+          </a:xfrm>
+          <a:prstGeom prst="rect">
+            <a:avLst/>
+          </a:prstGeom>
+          <a:noFill/>
+        </p:spPr>
+        <p:txBody>
+          <a:bodyPr wrap="square" rtlCol="0">
+            <a:spAutoFit/>
+          </a:bodyPr>
+          <a:lstStyle/>
+          <a:p>
+            <a:r>
+              <a:rPr lang="en-GB" sz="2800" dirty="0" smtClean="0">
+                <a:latin typeface="+mj-lt"/>
+              </a:rPr>
+              <a:t>Mini SPAs</a:t>
+            </a:r>
+            <a:endParaRPr lang="pt-PT" sz="2800" dirty="0">
+              <a:latin typeface="+mj-lt"/>
+            </a:endParaRPr>
+          </a:p>
+        </p:txBody>
+      </p:sp>
+      <p:sp>
+        <p:nvSpPr>
+          <p:cNvPr id="10" name="CaixaDeTexto 9"/>
+          <p:cNvSpPr txBox="1"/>
+          <p:nvPr/>
+        </p:nvSpPr>
+        <p:spPr>
+          <a:xfrm>
+            <a:off x="2427610" y="5354955"/>
+            <a:ext cx="1076241" cy="523220"/>
+          </a:xfrm>
+          <a:prstGeom prst="rect">
+            <a:avLst/>
+          </a:prstGeom>
+          <a:noFill/>
+        </p:spPr>
+        <p:txBody>
+          <a:bodyPr wrap="square" rtlCol="0">
+            <a:spAutoFit/>
+          </a:bodyPr>
+          <a:lstStyle/>
+          <a:p>
+            <a:r>
+              <a:rPr lang="en-GB" sz="2800" dirty="0" smtClean="0">
+                <a:latin typeface="+mj-lt"/>
+              </a:rPr>
+              <a:t>SPA</a:t>
+            </a:r>
+            <a:endParaRPr lang="pt-PT" sz="2800" dirty="0">
+              <a:latin typeface="+mj-lt"/>
+            </a:endParaRPr>
+          </a:p>
+        </p:txBody>
+      </p:sp>
+      <p:sp>
+        <p:nvSpPr>
+          <p:cNvPr id="12" name="CaixaDeTexto 11"/>
+          <p:cNvSpPr txBox="1"/>
+          <p:nvPr/>
+        </p:nvSpPr>
+        <p:spPr>
+          <a:xfrm>
+            <a:off x="7330035" y="1011882"/>
+            <a:ext cx="2930666" cy="954107"/>
+          </a:xfrm>
+          <a:prstGeom prst="rect">
+            <a:avLst/>
+          </a:prstGeom>
+          <a:noFill/>
+        </p:spPr>
+        <p:txBody>
+          <a:bodyPr wrap="square" rtlCol="0">
+            <a:spAutoFit/>
+          </a:bodyPr>
+          <a:lstStyle/>
+          <a:p>
+            <a:r>
+              <a:rPr lang="en-GB" sz="2800" dirty="0" smtClean="0">
+                <a:latin typeface="+mj-lt"/>
+              </a:rPr>
+              <a:t>Multiple page application</a:t>
+            </a:r>
+            <a:endParaRPr lang="pt-PT" sz="2800" dirty="0">
+              <a:latin typeface="+mj-lt"/>
+            </a:endParaRPr>
+          </a:p>
+        </p:txBody>
+      </p:sp>
+      <p:sp>
+        <p:nvSpPr>
+          <p:cNvPr id="13" name="CaixaDeTexto 12"/>
+          <p:cNvSpPr txBox="1"/>
+          <p:nvPr/>
+        </p:nvSpPr>
+        <p:spPr>
+          <a:xfrm>
+            <a:off x="7133082" y="5354955"/>
+            <a:ext cx="1950273" cy="523220"/>
+          </a:xfrm>
+          <a:prstGeom prst="rect">
+            <a:avLst/>
+          </a:prstGeom>
+          <a:noFill/>
+        </p:spPr>
+        <p:txBody>
+          <a:bodyPr wrap="square" rtlCol="0">
+            <a:spAutoFit/>
+          </a:bodyPr>
+          <a:lstStyle/>
+          <a:p>
+            <a:r>
+              <a:rPr lang="en-GB" sz="2800" dirty="0" smtClean="0">
+                <a:latin typeface="+mj-lt"/>
+              </a:rPr>
+              <a:t>Knockout</a:t>
+            </a:r>
+            <a:endParaRPr lang="pt-PT" sz="2800" dirty="0">
+              <a:latin typeface="+mj-lt"/>
+            </a:endParaRPr>
+          </a:p>
+        </p:txBody>
+      </p:sp>
+      <p:sp>
+        <p:nvSpPr>
+          <p:cNvPr id="14" name="CaixaDeTexto 13"/>
+          <p:cNvSpPr txBox="1"/>
+          <p:nvPr/>
+        </p:nvSpPr>
+        <p:spPr>
+          <a:xfrm>
+            <a:off x="4155349" y="3935786"/>
+            <a:ext cx="3572543" cy="461665"/>
+          </a:xfrm>
+          <a:prstGeom prst="rect">
+            <a:avLst/>
+          </a:prstGeom>
+          <a:noFill/>
+        </p:spPr>
+        <p:txBody>
+          <a:bodyPr wrap="square" rtlCol="0">
+            <a:spAutoFit/>
+          </a:bodyPr>
+          <a:lstStyle/>
+          <a:p>
+            <a:r>
+              <a:rPr lang="en-GB" sz="2400" dirty="0" smtClean="0">
+                <a:latin typeface="+mj-lt"/>
+              </a:rPr>
+              <a:t>Magazines manager</a:t>
+            </a:r>
+            <a:endParaRPr lang="pt-PT" sz="2400" dirty="0">
+              <a:latin typeface="+mj-lt"/>
+            </a:endParaRPr>
+          </a:p>
+        </p:txBody>
+      </p:sp>
     </p:spTree>
     <p:extLst>
       <p:ext uri="{BB962C8B-B14F-4D97-AF65-F5344CB8AC3E}">
@@ -9584,9 +9647,534 @@
   <p:timing>
     <p:tnLst>
       <p:par>
-        <p:cTn id="1" dur="indefinite" restart="never" nodeType="tmRoot"/>
+        <p:cTn id="1" dur="indefinite" restart="never" nodeType="tmRoot">
+          <p:childTnLst>
+            <p:seq concurrent="1" nextAc="seek">
+              <p:cTn id="2" dur="indefinite" nodeType="mainSeq">
+                <p:childTnLst>
+                  <p:par>
+                    <p:cTn id="3" fill="hold">
+                      <p:stCondLst>
+                        <p:cond delay="indefinite"/>
+                      </p:stCondLst>
+                      <p:childTnLst>
+                        <p:par>
+                          <p:cTn id="4" fill="hold">
+                            <p:stCondLst>
+                              <p:cond delay="0"/>
+                            </p:stCondLst>
+                            <p:childTnLst>
+                              <p:par>
+                                <p:cTn id="5" presetID="42" presetClass="entr" presetSubtype="0" fill="hold" grpId="0" nodeType="clickEffect">
+                                  <p:stCondLst>
+                                    <p:cond delay="0"/>
+                                  </p:stCondLst>
+                                  <p:childTnLst>
+                                    <p:set>
+                                      <p:cBhvr>
+                                        <p:cTn id="6" dur="1" fill="hold">
+                                          <p:stCondLst>
+                                            <p:cond delay="0"/>
+                                          </p:stCondLst>
+                                        </p:cTn>
+                                        <p:tgtEl>
+                                          <p:spTgt spid="9"/>
+                                        </p:tgtEl>
+                                        <p:attrNameLst>
+                                          <p:attrName>style.visibility</p:attrName>
+                                        </p:attrNameLst>
+                                      </p:cBhvr>
+                                      <p:to>
+                                        <p:strVal val="visible"/>
+                                      </p:to>
+                                    </p:set>
+                                    <p:animEffect transition="in" filter="fade">
+                                      <p:cBhvr>
+                                        <p:cTn id="7" dur="1000"/>
+                                        <p:tgtEl>
+                                          <p:spTgt spid="9"/>
+                                        </p:tgtEl>
+                                      </p:cBhvr>
+                                    </p:animEffect>
+                                    <p:anim calcmode="lin" valueType="num">
+                                      <p:cBhvr>
+                                        <p:cTn id="8" dur="1000" fill="hold"/>
+                                        <p:tgtEl>
+                                          <p:spTgt spid="9"/>
+                                        </p:tgtEl>
+                                        <p:attrNameLst>
+                                          <p:attrName>ppt_x</p:attrName>
+                                        </p:attrNameLst>
+                                      </p:cBhvr>
+                                      <p:tavLst>
+                                        <p:tav tm="0">
+                                          <p:val>
+                                            <p:strVal val="#ppt_x"/>
+                                          </p:val>
+                                        </p:tav>
+                                        <p:tav tm="100000">
+                                          <p:val>
+                                            <p:strVal val="#ppt_x"/>
+                                          </p:val>
+                                        </p:tav>
+                                      </p:tavLst>
+                                    </p:anim>
+                                    <p:anim calcmode="lin" valueType="num">
+                                      <p:cBhvr>
+                                        <p:cTn id="9" dur="1000" fill="hold"/>
+                                        <p:tgtEl>
+                                          <p:spTgt spid="9"/>
+                                        </p:tgtEl>
+                                        <p:attrNameLst>
+                                          <p:attrName>ppt_y</p:attrName>
+                                        </p:attrNameLst>
+                                      </p:cBhvr>
+                                      <p:tavLst>
+                                        <p:tav tm="0">
+                                          <p:val>
+                                            <p:strVal val="#ppt_y+.1"/>
+                                          </p:val>
+                                        </p:tav>
+                                        <p:tav tm="100000">
+                                          <p:val>
+                                            <p:strVal val="#ppt_y"/>
+                                          </p:val>
+                                        </p:tav>
+                                      </p:tavLst>
+                                    </p:anim>
+                                  </p:childTnLst>
+                                </p:cTn>
+                              </p:par>
+                            </p:childTnLst>
+                          </p:cTn>
+                        </p:par>
+                      </p:childTnLst>
+                    </p:cTn>
+                  </p:par>
+                  <p:par>
+                    <p:cTn id="10" fill="hold">
+                      <p:stCondLst>
+                        <p:cond delay="indefinite"/>
+                      </p:stCondLst>
+                      <p:childTnLst>
+                        <p:par>
+                          <p:cTn id="11" fill="hold">
+                            <p:stCondLst>
+                              <p:cond delay="0"/>
+                            </p:stCondLst>
+                            <p:childTnLst>
+                              <p:par>
+                                <p:cTn id="12" presetID="42" presetClass="entr" presetSubtype="0" fill="hold" grpId="0" nodeType="clickEffect">
+                                  <p:stCondLst>
+                                    <p:cond delay="0"/>
+                                  </p:stCondLst>
+                                  <p:childTnLst>
+                                    <p:set>
+                                      <p:cBhvr>
+                                        <p:cTn id="13" dur="1" fill="hold">
+                                          <p:stCondLst>
+                                            <p:cond delay="0"/>
+                                          </p:stCondLst>
+                                        </p:cTn>
+                                        <p:tgtEl>
+                                          <p:spTgt spid="10"/>
+                                        </p:tgtEl>
+                                        <p:attrNameLst>
+                                          <p:attrName>style.visibility</p:attrName>
+                                        </p:attrNameLst>
+                                      </p:cBhvr>
+                                      <p:to>
+                                        <p:strVal val="visible"/>
+                                      </p:to>
+                                    </p:set>
+                                    <p:animEffect transition="in" filter="fade">
+                                      <p:cBhvr>
+                                        <p:cTn id="14" dur="1000"/>
+                                        <p:tgtEl>
+                                          <p:spTgt spid="10"/>
+                                        </p:tgtEl>
+                                      </p:cBhvr>
+                                    </p:animEffect>
+                                    <p:anim calcmode="lin" valueType="num">
+                                      <p:cBhvr>
+                                        <p:cTn id="15" dur="1000" fill="hold"/>
+                                        <p:tgtEl>
+                                          <p:spTgt spid="10"/>
+                                        </p:tgtEl>
+                                        <p:attrNameLst>
+                                          <p:attrName>ppt_x</p:attrName>
+                                        </p:attrNameLst>
+                                      </p:cBhvr>
+                                      <p:tavLst>
+                                        <p:tav tm="0">
+                                          <p:val>
+                                            <p:strVal val="#ppt_x"/>
+                                          </p:val>
+                                        </p:tav>
+                                        <p:tav tm="100000">
+                                          <p:val>
+                                            <p:strVal val="#ppt_x"/>
+                                          </p:val>
+                                        </p:tav>
+                                      </p:tavLst>
+                                    </p:anim>
+                                    <p:anim calcmode="lin" valueType="num">
+                                      <p:cBhvr>
+                                        <p:cTn id="16" dur="1000" fill="hold"/>
+                                        <p:tgtEl>
+                                          <p:spTgt spid="10"/>
+                                        </p:tgtEl>
+                                        <p:attrNameLst>
+                                          <p:attrName>ppt_y</p:attrName>
+                                        </p:attrNameLst>
+                                      </p:cBhvr>
+                                      <p:tavLst>
+                                        <p:tav tm="0">
+                                          <p:val>
+                                            <p:strVal val="#ppt_y+.1"/>
+                                          </p:val>
+                                        </p:tav>
+                                        <p:tav tm="100000">
+                                          <p:val>
+                                            <p:strVal val="#ppt_y"/>
+                                          </p:val>
+                                        </p:tav>
+                                      </p:tavLst>
+                                    </p:anim>
+                                  </p:childTnLst>
+                                </p:cTn>
+                              </p:par>
+                            </p:childTnLst>
+                          </p:cTn>
+                        </p:par>
+                      </p:childTnLst>
+                    </p:cTn>
+                  </p:par>
+                  <p:par>
+                    <p:cTn id="17" fill="hold">
+                      <p:stCondLst>
+                        <p:cond delay="indefinite"/>
+                      </p:stCondLst>
+                      <p:childTnLst>
+                        <p:par>
+                          <p:cTn id="18" fill="hold">
+                            <p:stCondLst>
+                              <p:cond delay="0"/>
+                            </p:stCondLst>
+                            <p:childTnLst>
+                              <p:par>
+                                <p:cTn id="19" presetID="42" presetClass="entr" presetSubtype="0" fill="hold" grpId="0" nodeType="clickEffect">
+                                  <p:stCondLst>
+                                    <p:cond delay="0"/>
+                                  </p:stCondLst>
+                                  <p:childTnLst>
+                                    <p:set>
+                                      <p:cBhvr>
+                                        <p:cTn id="20" dur="1" fill="hold">
+                                          <p:stCondLst>
+                                            <p:cond delay="0"/>
+                                          </p:stCondLst>
+                                        </p:cTn>
+                                        <p:tgtEl>
+                                          <p:spTgt spid="12"/>
+                                        </p:tgtEl>
+                                        <p:attrNameLst>
+                                          <p:attrName>style.visibility</p:attrName>
+                                        </p:attrNameLst>
+                                      </p:cBhvr>
+                                      <p:to>
+                                        <p:strVal val="visible"/>
+                                      </p:to>
+                                    </p:set>
+                                    <p:animEffect transition="in" filter="fade">
+                                      <p:cBhvr>
+                                        <p:cTn id="21" dur="1000"/>
+                                        <p:tgtEl>
+                                          <p:spTgt spid="12"/>
+                                        </p:tgtEl>
+                                      </p:cBhvr>
+                                    </p:animEffect>
+                                    <p:anim calcmode="lin" valueType="num">
+                                      <p:cBhvr>
+                                        <p:cTn id="22" dur="1000" fill="hold"/>
+                                        <p:tgtEl>
+                                          <p:spTgt spid="12"/>
+                                        </p:tgtEl>
+                                        <p:attrNameLst>
+                                          <p:attrName>ppt_x</p:attrName>
+                                        </p:attrNameLst>
+                                      </p:cBhvr>
+                                      <p:tavLst>
+                                        <p:tav tm="0">
+                                          <p:val>
+                                            <p:strVal val="#ppt_x"/>
+                                          </p:val>
+                                        </p:tav>
+                                        <p:tav tm="100000">
+                                          <p:val>
+                                            <p:strVal val="#ppt_x"/>
+                                          </p:val>
+                                        </p:tav>
+                                      </p:tavLst>
+                                    </p:anim>
+                                    <p:anim calcmode="lin" valueType="num">
+                                      <p:cBhvr>
+                                        <p:cTn id="23" dur="1000" fill="hold"/>
+                                        <p:tgtEl>
+                                          <p:spTgt spid="12"/>
+                                        </p:tgtEl>
+                                        <p:attrNameLst>
+                                          <p:attrName>ppt_y</p:attrName>
+                                        </p:attrNameLst>
+                                      </p:cBhvr>
+                                      <p:tavLst>
+                                        <p:tav tm="0">
+                                          <p:val>
+                                            <p:strVal val="#ppt_y+.1"/>
+                                          </p:val>
+                                        </p:tav>
+                                        <p:tav tm="100000">
+                                          <p:val>
+                                            <p:strVal val="#ppt_y"/>
+                                          </p:val>
+                                        </p:tav>
+                                      </p:tavLst>
+                                    </p:anim>
+                                  </p:childTnLst>
+                                </p:cTn>
+                              </p:par>
+                            </p:childTnLst>
+                          </p:cTn>
+                        </p:par>
+                      </p:childTnLst>
+                    </p:cTn>
+                  </p:par>
+                  <p:par>
+                    <p:cTn id="24" fill="hold">
+                      <p:stCondLst>
+                        <p:cond delay="indefinite"/>
+                      </p:stCondLst>
+                      <p:childTnLst>
+                        <p:par>
+                          <p:cTn id="25" fill="hold">
+                            <p:stCondLst>
+                              <p:cond delay="0"/>
+                            </p:stCondLst>
+                            <p:childTnLst>
+                              <p:par>
+                                <p:cTn id="26" presetID="42" presetClass="entr" presetSubtype="0" fill="hold" grpId="0" nodeType="clickEffect">
+                                  <p:stCondLst>
+                                    <p:cond delay="0"/>
+                                  </p:stCondLst>
+                                  <p:childTnLst>
+                                    <p:set>
+                                      <p:cBhvr>
+                                        <p:cTn id="27" dur="1" fill="hold">
+                                          <p:stCondLst>
+                                            <p:cond delay="0"/>
+                                          </p:stCondLst>
+                                        </p:cTn>
+                                        <p:tgtEl>
+                                          <p:spTgt spid="13"/>
+                                        </p:tgtEl>
+                                        <p:attrNameLst>
+                                          <p:attrName>style.visibility</p:attrName>
+                                        </p:attrNameLst>
+                                      </p:cBhvr>
+                                      <p:to>
+                                        <p:strVal val="visible"/>
+                                      </p:to>
+                                    </p:set>
+                                    <p:animEffect transition="in" filter="fade">
+                                      <p:cBhvr>
+                                        <p:cTn id="28" dur="1000"/>
+                                        <p:tgtEl>
+                                          <p:spTgt spid="13"/>
+                                        </p:tgtEl>
+                                      </p:cBhvr>
+                                    </p:animEffect>
+                                    <p:anim calcmode="lin" valueType="num">
+                                      <p:cBhvr>
+                                        <p:cTn id="29" dur="1000" fill="hold"/>
+                                        <p:tgtEl>
+                                          <p:spTgt spid="13"/>
+                                        </p:tgtEl>
+                                        <p:attrNameLst>
+                                          <p:attrName>ppt_x</p:attrName>
+                                        </p:attrNameLst>
+                                      </p:cBhvr>
+                                      <p:tavLst>
+                                        <p:tav tm="0">
+                                          <p:val>
+                                            <p:strVal val="#ppt_x"/>
+                                          </p:val>
+                                        </p:tav>
+                                        <p:tav tm="100000">
+                                          <p:val>
+                                            <p:strVal val="#ppt_x"/>
+                                          </p:val>
+                                        </p:tav>
+                                      </p:tavLst>
+                                    </p:anim>
+                                    <p:anim calcmode="lin" valueType="num">
+                                      <p:cBhvr>
+                                        <p:cTn id="30" dur="1000" fill="hold"/>
+                                        <p:tgtEl>
+                                          <p:spTgt spid="13"/>
+                                        </p:tgtEl>
+                                        <p:attrNameLst>
+                                          <p:attrName>ppt_y</p:attrName>
+                                        </p:attrNameLst>
+                                      </p:cBhvr>
+                                      <p:tavLst>
+                                        <p:tav tm="0">
+                                          <p:val>
+                                            <p:strVal val="#ppt_y+.1"/>
+                                          </p:val>
+                                        </p:tav>
+                                        <p:tav tm="100000">
+                                          <p:val>
+                                            <p:strVal val="#ppt_y"/>
+                                          </p:val>
+                                        </p:tav>
+                                      </p:tavLst>
+                                    </p:anim>
+                                  </p:childTnLst>
+                                </p:cTn>
+                              </p:par>
+                            </p:childTnLst>
+                          </p:cTn>
+                        </p:par>
+                      </p:childTnLst>
+                    </p:cTn>
+                  </p:par>
+                  <p:par>
+                    <p:cTn id="31" fill="hold">
+                      <p:stCondLst>
+                        <p:cond delay="indefinite"/>
+                      </p:stCondLst>
+                      <p:childTnLst>
+                        <p:par>
+                          <p:cTn id="32" fill="hold">
+                            <p:stCondLst>
+                              <p:cond delay="0"/>
+                            </p:stCondLst>
+                            <p:childTnLst>
+                              <p:par>
+                                <p:cTn id="33" presetID="42" presetClass="entr" presetSubtype="0" fill="hold" grpId="0" nodeType="clickEffect">
+                                  <p:stCondLst>
+                                    <p:cond delay="0"/>
+                                  </p:stCondLst>
+                                  <p:childTnLst>
+                                    <p:set>
+                                      <p:cBhvr>
+                                        <p:cTn id="34" dur="1" fill="hold">
+                                          <p:stCondLst>
+                                            <p:cond delay="0"/>
+                                          </p:stCondLst>
+                                        </p:cTn>
+                                        <p:tgtEl>
+                                          <p:spTgt spid="14"/>
+                                        </p:tgtEl>
+                                        <p:attrNameLst>
+                                          <p:attrName>style.visibility</p:attrName>
+                                        </p:attrNameLst>
+                                      </p:cBhvr>
+                                      <p:to>
+                                        <p:strVal val="visible"/>
+                                      </p:to>
+                                    </p:set>
+                                    <p:animEffect transition="in" filter="fade">
+                                      <p:cBhvr>
+                                        <p:cTn id="35" dur="1000"/>
+                                        <p:tgtEl>
+                                          <p:spTgt spid="14"/>
+                                        </p:tgtEl>
+                                      </p:cBhvr>
+                                    </p:animEffect>
+                                    <p:anim calcmode="lin" valueType="num">
+                                      <p:cBhvr>
+                                        <p:cTn id="36" dur="1000" fill="hold"/>
+                                        <p:tgtEl>
+                                          <p:spTgt spid="14"/>
+                                        </p:tgtEl>
+                                        <p:attrNameLst>
+                                          <p:attrName>ppt_x</p:attrName>
+                                        </p:attrNameLst>
+                                      </p:cBhvr>
+                                      <p:tavLst>
+                                        <p:tav tm="0">
+                                          <p:val>
+                                            <p:strVal val="#ppt_x"/>
+                                          </p:val>
+                                        </p:tav>
+                                        <p:tav tm="100000">
+                                          <p:val>
+                                            <p:strVal val="#ppt_x"/>
+                                          </p:val>
+                                        </p:tav>
+                                      </p:tavLst>
+                                    </p:anim>
+                                    <p:anim calcmode="lin" valueType="num">
+                                      <p:cBhvr>
+                                        <p:cTn id="37" dur="1000" fill="hold"/>
+                                        <p:tgtEl>
+                                          <p:spTgt spid="14"/>
+                                        </p:tgtEl>
+                                        <p:attrNameLst>
+                                          <p:attrName>ppt_y</p:attrName>
+                                        </p:attrNameLst>
+                                      </p:cBhvr>
+                                      <p:tavLst>
+                                        <p:tav tm="0">
+                                          <p:val>
+                                            <p:strVal val="#ppt_y+.1"/>
+                                          </p:val>
+                                        </p:tav>
+                                        <p:tav tm="100000">
+                                          <p:val>
+                                            <p:strVal val="#ppt_y"/>
+                                          </p:val>
+                                        </p:tav>
+                                      </p:tavLst>
+                                    </p:anim>
+                                  </p:childTnLst>
+                                </p:cTn>
+                              </p:par>
+                            </p:childTnLst>
+                          </p:cTn>
+                        </p:par>
+                      </p:childTnLst>
+                    </p:cTn>
+                  </p:par>
+                </p:childTnLst>
+              </p:cTn>
+              <p:prevCondLst>
+                <p:cond evt="onPrev" delay="0">
+                  <p:tgtEl>
+                    <p:sldTgt/>
+                  </p:tgtEl>
+                </p:cond>
+              </p:prevCondLst>
+              <p:nextCondLst>
+                <p:cond evt="onNext" delay="0">
+                  <p:tgtEl>
+                    <p:sldTgt/>
+                  </p:tgtEl>
+                </p:cond>
+              </p:nextCondLst>
+            </p:seq>
+          </p:childTnLst>
+        </p:cTn>
       </p:par>
     </p:tnLst>
+    <p:bldLst>
+      <p:bldP spid="9" grpId="0"/>
+      <p:bldP spid="10" grpId="0"/>
+      <p:bldP spid="12" grpId="0"/>
+      <p:bldP spid="13" grpId="0"/>
+      <p:bldP spid="14" grpId="0"/>
+    </p:bldLst>
   </p:timing>
 </p:sld>
 </file>
@@ -13243,11 +13831,6 @@
               </a:rPr>
               <a:t> </a:t>
             </a:r>
-            <a:endParaRPr lang="pt-PT" sz="2000" dirty="0" smtClean="0">
-              <a:solidFill>
-                <a:schemeClr val="tx1"/>
-              </a:solidFill>
-            </a:endParaRPr>
           </a:p>
           <a:p>
             <a:r>
@@ -13266,7 +13849,7 @@
                   <a:schemeClr val="tx1"/>
                 </a:solidFill>
               </a:rPr>
-              <a:t>Demo</a:t>
+              <a:t>Demos</a:t>
             </a:r>
             <a:endParaRPr lang="pt-PT" sz="2000" dirty="0" smtClean="0">
               <a:solidFill>
